--- a/02-why_write_tests_why_is_that_hard.pptx
+++ b/02-why_write_tests_why_is_that_hard.pptx
@@ -2340,8 +2340,8 @@
     <dgm:cxn modelId="{DCABB525-D7FE-6744-BC76-D58344FA1D9E}" srcId="{C236C83C-B288-304E-94BF-E61CD5B8E514}" destId="{56B83FC8-630A-654C-967A-D3A8D923ADAA}" srcOrd="1" destOrd="0" parTransId="{26BF0F39-2F2B-5B4C-92A9-FDADBA7D936C}" sibTransId="{0D7C27DE-7D4D-A847-9D73-17717295B629}"/>
     <dgm:cxn modelId="{7BF73F37-6114-D345-8266-D2FCFFD123BB}" type="presOf" srcId="{3F36FED0-EF5E-1A42-98BA-F725FCC46927}" destId="{94E626C9-F87A-E043-A22D-F6B29DD1EF98}" srcOrd="0" destOrd="0" presId="urn:microsoft.com/office/officeart/2005/8/layout/cycle2"/>
     <dgm:cxn modelId="{7951DA48-A150-084A-9923-59C3119E7343}" type="presOf" srcId="{0D7C27DE-7D4D-A847-9D73-17717295B629}" destId="{069690A2-A8DE-8D4D-9E05-D20B4AD80AD5}" srcOrd="0" destOrd="0" presId="urn:microsoft.com/office/officeart/2005/8/layout/cycle2"/>
+    <dgm:cxn modelId="{4F6A554F-F593-E546-805F-2FA25142AAF4}" srcId="{C236C83C-B288-304E-94BF-E61CD5B8E514}" destId="{CDB4AFFD-35E7-264B-9BBD-A621B18FE722}" srcOrd="2" destOrd="0" parTransId="{D0257083-3B53-434C-B1FA-801D9BC35039}" sibTransId="{023F43F1-4240-0640-B914-4E7AE7038AFC}"/>
     <dgm:cxn modelId="{6F47066F-7AA2-784A-AB7D-0BBD009396CB}" type="presOf" srcId="{023F43F1-4240-0640-B914-4E7AE7038AFC}" destId="{587BAFEE-4925-584C-98DC-D956EB2383A2}" srcOrd="0" destOrd="0" presId="urn:microsoft.com/office/officeart/2005/8/layout/cycle2"/>
-    <dgm:cxn modelId="{4F6A554F-F593-E546-805F-2FA25142AAF4}" srcId="{C236C83C-B288-304E-94BF-E61CD5B8E514}" destId="{CDB4AFFD-35E7-264B-9BBD-A621B18FE722}" srcOrd="2" destOrd="0" parTransId="{D0257083-3B53-434C-B1FA-801D9BC35039}" sibTransId="{023F43F1-4240-0640-B914-4E7AE7038AFC}"/>
     <dgm:cxn modelId="{3D408579-6BFF-1F49-835D-EADF52AF94EA}" type="presOf" srcId="{56B83FC8-630A-654C-967A-D3A8D923ADAA}" destId="{135C90DA-3EC2-A54F-866A-BB18EEF25E45}" srcOrd="0" destOrd="0" presId="urn:microsoft.com/office/officeart/2005/8/layout/cycle2"/>
     <dgm:cxn modelId="{37E2CD8A-B294-6D4A-AF19-F16C6DDE198D}" type="presOf" srcId="{1BDAC051-1D86-9649-9776-B82766636A19}" destId="{05D3C2B6-C474-AA4C-80D9-CA9A6F3D9CE6}" srcOrd="1" destOrd="0" presId="urn:microsoft.com/office/officeart/2005/8/layout/cycle2"/>
     <dgm:cxn modelId="{A68C30A5-A370-E044-9332-DBC89DABAC33}" type="presOf" srcId="{0D7C27DE-7D4D-A847-9D73-17717295B629}" destId="{820F0926-7D71-014F-B7B6-834D588F001B}" srcOrd="1" destOrd="0" presId="urn:microsoft.com/office/officeart/2005/8/layout/cycle2"/>
@@ -9869,14 +9869,14 @@
           </a:ln>
           <a:extLst>
             <a:ext uri="{909E8E84-426E-40dd-AFC4-6F175D3DCCD1}">
-              <a14:hiddenFill xmlns:a14="http://schemas.microsoft.com/office/drawing/2010/main" xmlns="">
+              <a14:hiddenFill xmlns="" xmlns:a14="http://schemas.microsoft.com/office/drawing/2010/main">
                 <a:solidFill>
                   <a:srgbClr val="FFFFFF"/>
                 </a:solidFill>
               </a14:hiddenFill>
             </a:ext>
             <a:ext uri="{91240B29-F687-4f45-9708-019B960494DF}">
-              <a14:hiddenLine xmlns:a14="http://schemas.microsoft.com/office/drawing/2010/main" xmlns="" w="9525">
+              <a14:hiddenLine xmlns="" xmlns:a14="http://schemas.microsoft.com/office/drawing/2010/main" w="9525">
                 <a:solidFill>
                   <a:srgbClr val="000000"/>
                 </a:solidFill>
@@ -10024,14 +10024,14 @@
           </a:ln>
           <a:extLst>
             <a:ext uri="{909E8E84-426E-40dd-AFC4-6F175D3DCCD1}">
-              <a14:hiddenFill xmlns:a14="http://schemas.microsoft.com/office/drawing/2010/main" xmlns="">
+              <a14:hiddenFill xmlns="" xmlns:a14="http://schemas.microsoft.com/office/drawing/2010/main">
                 <a:solidFill>
                   <a:srgbClr val="FFFFFF"/>
                 </a:solidFill>
               </a14:hiddenFill>
             </a:ext>
             <a:ext uri="{91240B29-F687-4f45-9708-019B960494DF}">
-              <a14:hiddenLine xmlns:a14="http://schemas.microsoft.com/office/drawing/2010/main" xmlns="" w="9525">
+              <a14:hiddenLine xmlns="" xmlns:a14="http://schemas.microsoft.com/office/drawing/2010/main" w="9525">
                 <a:solidFill>
                   <a:srgbClr val="000000"/>
                 </a:solidFill>
@@ -10522,14 +10522,14 @@
           </a:ln>
           <a:extLst>
             <a:ext uri="{909E8E84-426E-40dd-AFC4-6F175D3DCCD1}">
-              <a14:hiddenFill xmlns:a14="http://schemas.microsoft.com/office/drawing/2010/main" xmlns="">
+              <a14:hiddenFill xmlns="" xmlns:a14="http://schemas.microsoft.com/office/drawing/2010/main">
                 <a:solidFill>
                   <a:srgbClr val="FFFFFF"/>
                 </a:solidFill>
               </a14:hiddenFill>
             </a:ext>
             <a:ext uri="{91240B29-F687-4f45-9708-019B960494DF}">
-              <a14:hiddenLine xmlns:a14="http://schemas.microsoft.com/office/drawing/2010/main" xmlns="" w="9525">
+              <a14:hiddenLine xmlns="" xmlns:a14="http://schemas.microsoft.com/office/drawing/2010/main" w="9525">
                 <a:solidFill>
                   <a:srgbClr val="000000"/>
                 </a:solidFill>
@@ -11956,14 +11956,14 @@
           </a:ln>
           <a:extLst>
             <a:ext uri="{909E8E84-426E-40dd-AFC4-6F175D3DCCD1}">
-              <a14:hiddenFill xmlns:a14="http://schemas.microsoft.com/office/drawing/2010/main" xmlns="">
+              <a14:hiddenFill xmlns="" xmlns:a14="http://schemas.microsoft.com/office/drawing/2010/main">
                 <a:solidFill>
                   <a:srgbClr val="FFFFFF"/>
                 </a:solidFill>
               </a14:hiddenFill>
             </a:ext>
             <a:ext uri="{91240B29-F687-4f45-9708-019B960494DF}">
-              <a14:hiddenLine xmlns:a14="http://schemas.microsoft.com/office/drawing/2010/main" xmlns="" w="9525">
+              <a14:hiddenLine xmlns="" xmlns:a14="http://schemas.microsoft.com/office/drawing/2010/main" w="9525">
                 <a:solidFill>
                   <a:srgbClr val="000000"/>
                 </a:solidFill>
@@ -13297,14 +13297,14 @@
           </a:ln>
           <a:extLst>
             <a:ext uri="{909E8E84-426E-40dd-AFC4-6F175D3DCCD1}">
-              <a14:hiddenFill xmlns:a14="http://schemas.microsoft.com/office/drawing/2010/main" xmlns="">
+              <a14:hiddenFill xmlns="" xmlns:a14="http://schemas.microsoft.com/office/drawing/2010/main">
                 <a:solidFill>
                   <a:srgbClr val="FFFFFF"/>
                 </a:solidFill>
               </a14:hiddenFill>
             </a:ext>
             <a:ext uri="{91240B29-F687-4f45-9708-019B960494DF}">
-              <a14:hiddenLine xmlns:a14="http://schemas.microsoft.com/office/drawing/2010/main" xmlns="" w="9525">
+              <a14:hiddenLine xmlns="" xmlns:a14="http://schemas.microsoft.com/office/drawing/2010/main" w="9525">
                 <a:solidFill>
                   <a:srgbClr val="000000"/>
                 </a:solidFill>
@@ -13862,14 +13862,14 @@
           </a:ln>
           <a:extLst>
             <a:ext uri="{909E8E84-426E-40dd-AFC4-6F175D3DCCD1}">
-              <a14:hiddenFill xmlns:a14="http://schemas.microsoft.com/office/drawing/2010/main" xmlns="">
+              <a14:hiddenFill xmlns="" xmlns:a14="http://schemas.microsoft.com/office/drawing/2010/main">
                 <a:solidFill>
                   <a:srgbClr val="FFFFFF"/>
                 </a:solidFill>
               </a14:hiddenFill>
             </a:ext>
             <a:ext uri="{91240B29-F687-4f45-9708-019B960494DF}">
-              <a14:hiddenLine xmlns:a14="http://schemas.microsoft.com/office/drawing/2010/main" xmlns="" w="9525">
+              <a14:hiddenLine xmlns="" xmlns:a14="http://schemas.microsoft.com/office/drawing/2010/main" w="9525">
                 <a:solidFill>
                   <a:srgbClr val="000000"/>
                 </a:solidFill>
@@ -14436,14 +14436,14 @@
           </a:ln>
           <a:extLst>
             <a:ext uri="{909E8E84-426E-40dd-AFC4-6F175D3DCCD1}">
-              <a14:hiddenFill xmlns:a14="http://schemas.microsoft.com/office/drawing/2010/main" xmlns="">
+              <a14:hiddenFill xmlns="" xmlns:a14="http://schemas.microsoft.com/office/drawing/2010/main">
                 <a:solidFill>
                   <a:srgbClr val="FFFFFF"/>
                 </a:solidFill>
               </a14:hiddenFill>
             </a:ext>
             <a:ext uri="{91240B29-F687-4f45-9708-019B960494DF}">
-              <a14:hiddenLine xmlns:a14="http://schemas.microsoft.com/office/drawing/2010/main" xmlns="" w="9525">
+              <a14:hiddenLine xmlns="" xmlns:a14="http://schemas.microsoft.com/office/drawing/2010/main" w="9525">
                 <a:solidFill>
                   <a:srgbClr val="000000"/>
                 </a:solidFill>
@@ -15383,14 +15383,14 @@
           </a:ln>
           <a:extLst>
             <a:ext uri="{909E8E84-426E-40dd-AFC4-6F175D3DCCD1}">
-              <a14:hiddenFill xmlns:a14="http://schemas.microsoft.com/office/drawing/2010/main" xmlns="">
+              <a14:hiddenFill xmlns="" xmlns:a14="http://schemas.microsoft.com/office/drawing/2010/main">
                 <a:solidFill>
                   <a:srgbClr val="FFFFFF"/>
                 </a:solidFill>
               </a14:hiddenFill>
             </a:ext>
             <a:ext uri="{91240B29-F687-4f45-9708-019B960494DF}">
-              <a14:hiddenLine xmlns:a14="http://schemas.microsoft.com/office/drawing/2010/main" xmlns="" w="9525">
+              <a14:hiddenLine xmlns="" xmlns:a14="http://schemas.microsoft.com/office/drawing/2010/main" w="9525">
                 <a:solidFill>
                   <a:srgbClr val="000000"/>
                 </a:solidFill>
@@ -15489,7 +15489,7 @@
                 <a:ea typeface="+mn-ea"/>
                 <a:cs typeface="+mn-cs"/>
               </a:rPr>
-              <a:t>2017</a:t>
+              <a:t>2018</a:t>
             </a:r>
             <a:r>
               <a:rPr lang="en-US" dirty="0">
@@ -16145,14 +16145,14 @@
           </a:ln>
           <a:extLst>
             <a:ext uri="{909E8E84-426E-40dd-AFC4-6F175D3DCCD1}">
-              <a14:hiddenFill xmlns:a14="http://schemas.microsoft.com/office/drawing/2010/main" xmlns="">
+              <a14:hiddenFill xmlns="" xmlns:a14="http://schemas.microsoft.com/office/drawing/2010/main">
                 <a:solidFill>
                   <a:srgbClr val="FFFFFF"/>
                 </a:solidFill>
               </a14:hiddenFill>
             </a:ext>
             <a:ext uri="{91240B29-F687-4f45-9708-019B960494DF}">
-              <a14:hiddenLine xmlns:a14="http://schemas.microsoft.com/office/drawing/2010/main" xmlns="" w="9525">
+              <a14:hiddenLine xmlns="" xmlns:a14="http://schemas.microsoft.com/office/drawing/2010/main" w="9525">
                 <a:solidFill>
                   <a:srgbClr val="000000"/>
                 </a:solidFill>
@@ -16251,7 +16251,7 @@
                 <a:ea typeface="+mn-ea"/>
                 <a:cs typeface="+mn-cs"/>
               </a:rPr>
-              <a:t>2017</a:t>
+              <a:t>2018</a:t>
             </a:r>
             <a:r>
               <a:rPr lang="en-US" dirty="0">
@@ -20334,6 +20334,27 @@
 </file>
 
 <file path=customXml/item1.xml><?xml version="1.0" encoding="utf-8"?>
+<?mso-contentType ?>
+<FormTemplates xmlns="http://schemas.microsoft.com/sharepoint/v3/contenttype/forms">
+  <Display>DocumentLibraryForm</Display>
+  <Edit>DocumentLibraryForm</Edit>
+  <New>DocumentLibraryForm</New>
+</FormTemplates>
+</file>
+
+<file path=customXml/item2.xml><?xml version="1.0" encoding="utf-8"?>
+<p:properties xmlns:p="http://schemas.microsoft.com/office/2006/metadata/properties" xmlns:xsi="http://www.w3.org/2001/XMLSchema-instance" xmlns:pc="http://schemas.microsoft.com/office/infopath/2007/PartnerControls">
+  <documentManagement>
+    <_dlc_DocId xmlns="7bb5d761-a2ea-4873-95f7-7a6658fb3ef0">M4CWTKMW727E-592-73</_dlc_DocId>
+    <_dlc_DocIdUrl xmlns="7bb5d761-a2ea-4873-95f7-7a6658fb3ef0">
+      <Url>https://kms.vci.local/marketing/team/_layouts/DocIdRedir.aspx?ID=M4CWTKMW727E-592-73</Url>
+      <Description>M4CWTKMW727E-592-73</Description>
+    </_dlc_DocIdUrl>
+  </documentManagement>
+</p:properties>
+</file>
+
+<file path=customXml/item3.xml><?xml version="1.0" encoding="utf-8"?>
 <ct:contentTypeSchema xmlns:ct="http://schemas.microsoft.com/office/2006/metadata/contentType" xmlns:ma="http://schemas.microsoft.com/office/2006/metadata/properties/metaAttributes" ct:_="" ma:_="" ma:contentTypeName="Document" ma:contentTypeID="0x0101000812F700BE7F874999720E88173FE491" ma:contentTypeVersion="0" ma:contentTypeDescription="Create a new document." ma:contentTypeScope="" ma:versionID="3f79f408e2ca720b7aba6e0e32464d0c">
   <xsd:schema xmlns:xsd="http://www.w3.org/2001/XMLSchema" xmlns:xs="http://www.w3.org/2001/XMLSchema" xmlns:p="http://schemas.microsoft.com/office/2006/metadata/properties" xmlns:ns2="7bb5d761-a2ea-4873-95f7-7a6658fb3ef0" targetNamespace="http://schemas.microsoft.com/office/2006/metadata/properties" ma:root="true" ma:fieldsID="1e062cd38ba31e406bfc4340fbc7f87a" ns2:_="">
     <xsd:import namespace="7bb5d761-a2ea-4873-95f7-7a6658fb3ef0"/>
@@ -20478,27 +20499,6 @@
 </ct:contentTypeSchema>
 </file>
 
-<file path=customXml/item2.xml><?xml version="1.0" encoding="utf-8"?>
-<p:properties xmlns:p="http://schemas.microsoft.com/office/2006/metadata/properties" xmlns:xsi="http://www.w3.org/2001/XMLSchema-instance" xmlns:pc="http://schemas.microsoft.com/office/infopath/2007/PartnerControls">
-  <documentManagement>
-    <_dlc_DocId xmlns="7bb5d761-a2ea-4873-95f7-7a6658fb3ef0">M4CWTKMW727E-592-73</_dlc_DocId>
-    <_dlc_DocIdUrl xmlns="7bb5d761-a2ea-4873-95f7-7a6658fb3ef0">
-      <Url>https://kms.vci.local/marketing/team/_layouts/DocIdRedir.aspx?ID=M4CWTKMW727E-592-73</Url>
-      <Description>M4CWTKMW727E-592-73</Description>
-    </_dlc_DocIdUrl>
-  </documentManagement>
-</p:properties>
-</file>
-
-<file path=customXml/item3.xml><?xml version="1.0" encoding="utf-8"?>
-<?mso-contentType ?>
-<FormTemplates xmlns="http://schemas.microsoft.com/sharepoint/v3/contenttype/forms">
-  <Display>DocumentLibraryForm</Display>
-  <Edit>DocumentLibraryForm</Edit>
-  <New>DocumentLibraryForm</New>
-</FormTemplates>
-</file>
-
 <file path=customXml/item4.xml><?xml version="1.0" encoding="utf-8"?>
 <?mso-contentType ?>
 <spe:Receivers xmlns:spe="http://schemas.microsoft.com/sharepoint/events">
@@ -20546,19 +20546,9 @@
 </file>
 
 <file path=customXml/itemProps1.xml><?xml version="1.0" encoding="utf-8"?>
-<ds:datastoreItem xmlns:ds="http://schemas.openxmlformats.org/officeDocument/2006/customXml" ds:itemID="{164479E5-0B02-49AC-B79E-EC1D6164DDD3}">
+<ds:datastoreItem xmlns:ds="http://schemas.openxmlformats.org/officeDocument/2006/customXml" ds:itemID="{5CDEB364-43EC-4510-9881-539C2A3FCE9E}">
   <ds:schemaRefs>
-    <ds:schemaRef ds:uri="http://schemas.microsoft.com/office/2006/metadata/contentType"/>
-    <ds:schemaRef ds:uri="http://schemas.microsoft.com/office/2006/metadata/properties/metaAttributes"/>
-    <ds:schemaRef ds:uri="http://www.w3.org/2001/XMLSchema"/>
-    <ds:schemaRef ds:uri="http://schemas.microsoft.com/office/2006/metadata/properties"/>
-    <ds:schemaRef ds:uri="7bb5d761-a2ea-4873-95f7-7a6658fb3ef0"/>
-    <ds:schemaRef ds:uri="http://schemas.microsoft.com/office/2006/documentManagement/types"/>
-    <ds:schemaRef ds:uri="http://schemas.microsoft.com/office/infopath/2007/PartnerControls"/>
-    <ds:schemaRef ds:uri="http://schemas.openxmlformats.org/package/2006/metadata/core-properties"/>
-    <ds:schemaRef ds:uri="http://purl.org/dc/elements/1.1/"/>
-    <ds:schemaRef ds:uri="http://purl.org/dc/terms/"/>
-    <ds:schemaRef ds:uri="http://schemas.microsoft.com/internal/obd"/>
+    <ds:schemaRef ds:uri="http://schemas.microsoft.com/sharepoint/v3/contenttype/forms"/>
   </ds:schemaRefs>
 </ds:datastoreItem>
 </file>
@@ -20580,9 +20570,19 @@
 </file>
 
 <file path=customXml/itemProps3.xml><?xml version="1.0" encoding="utf-8"?>
-<ds:datastoreItem xmlns:ds="http://schemas.openxmlformats.org/officeDocument/2006/customXml" ds:itemID="{5CDEB364-43EC-4510-9881-539C2A3FCE9E}">
+<ds:datastoreItem xmlns:ds="http://schemas.openxmlformats.org/officeDocument/2006/customXml" ds:itemID="{164479E5-0B02-49AC-B79E-EC1D6164DDD3}">
   <ds:schemaRefs>
-    <ds:schemaRef ds:uri="http://schemas.microsoft.com/sharepoint/v3/contenttype/forms"/>
+    <ds:schemaRef ds:uri="http://schemas.microsoft.com/office/2006/metadata/contentType"/>
+    <ds:schemaRef ds:uri="http://schemas.microsoft.com/office/2006/metadata/properties/metaAttributes"/>
+    <ds:schemaRef ds:uri="http://www.w3.org/2001/XMLSchema"/>
+    <ds:schemaRef ds:uri="http://schemas.microsoft.com/office/2006/metadata/properties"/>
+    <ds:schemaRef ds:uri="7bb5d761-a2ea-4873-95f7-7a6658fb3ef0"/>
+    <ds:schemaRef ds:uri="http://schemas.microsoft.com/office/2006/documentManagement/types"/>
+    <ds:schemaRef ds:uri="http://schemas.microsoft.com/office/infopath/2007/PartnerControls"/>
+    <ds:schemaRef ds:uri="http://schemas.openxmlformats.org/package/2006/metadata/core-properties"/>
+    <ds:schemaRef ds:uri="http://purl.org/dc/elements/1.1/"/>
+    <ds:schemaRef ds:uri="http://purl.org/dc/terms/"/>
+    <ds:schemaRef ds:uri="http://schemas.microsoft.com/internal/obd"/>
   </ds:schemaRefs>
 </ds:datastoreItem>
 </file>

--- a/02-why_write_tests_why_is_that_hard.pptx
+++ b/02-why_write_tests_why_is_that_hard.pptx
@@ -9869,14 +9869,14 @@
           </a:ln>
           <a:extLst>
             <a:ext uri="{909E8E84-426E-40dd-AFC4-6F175D3DCCD1}">
-              <a14:hiddenFill xmlns="" xmlns:a14="http://schemas.microsoft.com/office/drawing/2010/main">
+              <a14:hiddenFill xmlns:a14="http://schemas.microsoft.com/office/drawing/2010/main" xmlns="">
                 <a:solidFill>
                   <a:srgbClr val="FFFFFF"/>
                 </a:solidFill>
               </a14:hiddenFill>
             </a:ext>
             <a:ext uri="{91240B29-F687-4f45-9708-019B960494DF}">
-              <a14:hiddenLine xmlns="" xmlns:a14="http://schemas.microsoft.com/office/drawing/2010/main" w="9525">
+              <a14:hiddenLine xmlns:a14="http://schemas.microsoft.com/office/drawing/2010/main" xmlns="" w="9525">
                 <a:solidFill>
                   <a:srgbClr val="000000"/>
                 </a:solidFill>
@@ -10024,14 +10024,14 @@
           </a:ln>
           <a:extLst>
             <a:ext uri="{909E8E84-426E-40dd-AFC4-6F175D3DCCD1}">
-              <a14:hiddenFill xmlns="" xmlns:a14="http://schemas.microsoft.com/office/drawing/2010/main">
+              <a14:hiddenFill xmlns:a14="http://schemas.microsoft.com/office/drawing/2010/main" xmlns="">
                 <a:solidFill>
                   <a:srgbClr val="FFFFFF"/>
                 </a:solidFill>
               </a14:hiddenFill>
             </a:ext>
             <a:ext uri="{91240B29-F687-4f45-9708-019B960494DF}">
-              <a14:hiddenLine xmlns="" xmlns:a14="http://schemas.microsoft.com/office/drawing/2010/main" w="9525">
+              <a14:hiddenLine xmlns:a14="http://schemas.microsoft.com/office/drawing/2010/main" xmlns="" w="9525">
                 <a:solidFill>
                   <a:srgbClr val="000000"/>
                 </a:solidFill>
@@ -10522,14 +10522,14 @@
           </a:ln>
           <a:extLst>
             <a:ext uri="{909E8E84-426E-40dd-AFC4-6F175D3DCCD1}">
-              <a14:hiddenFill xmlns="" xmlns:a14="http://schemas.microsoft.com/office/drawing/2010/main">
+              <a14:hiddenFill xmlns:a14="http://schemas.microsoft.com/office/drawing/2010/main" xmlns="">
                 <a:solidFill>
                   <a:srgbClr val="FFFFFF"/>
                 </a:solidFill>
               </a14:hiddenFill>
             </a:ext>
             <a:ext uri="{91240B29-F687-4f45-9708-019B960494DF}">
-              <a14:hiddenLine xmlns="" xmlns:a14="http://schemas.microsoft.com/office/drawing/2010/main" w="9525">
+              <a14:hiddenLine xmlns:a14="http://schemas.microsoft.com/office/drawing/2010/main" xmlns="" w="9525">
                 <a:solidFill>
                   <a:srgbClr val="000000"/>
                 </a:solidFill>
@@ -11956,14 +11956,14 @@
           </a:ln>
           <a:extLst>
             <a:ext uri="{909E8E84-426E-40dd-AFC4-6F175D3DCCD1}">
-              <a14:hiddenFill xmlns="" xmlns:a14="http://schemas.microsoft.com/office/drawing/2010/main">
+              <a14:hiddenFill xmlns:a14="http://schemas.microsoft.com/office/drawing/2010/main" xmlns="">
                 <a:solidFill>
                   <a:srgbClr val="FFFFFF"/>
                 </a:solidFill>
               </a14:hiddenFill>
             </a:ext>
             <a:ext uri="{91240B29-F687-4f45-9708-019B960494DF}">
-              <a14:hiddenLine xmlns="" xmlns:a14="http://schemas.microsoft.com/office/drawing/2010/main" w="9525">
+              <a14:hiddenLine xmlns:a14="http://schemas.microsoft.com/office/drawing/2010/main" xmlns="" w="9525">
                 <a:solidFill>
                   <a:srgbClr val="000000"/>
                 </a:solidFill>
@@ -13297,14 +13297,14 @@
           </a:ln>
           <a:extLst>
             <a:ext uri="{909E8E84-426E-40dd-AFC4-6F175D3DCCD1}">
-              <a14:hiddenFill xmlns="" xmlns:a14="http://schemas.microsoft.com/office/drawing/2010/main">
+              <a14:hiddenFill xmlns:a14="http://schemas.microsoft.com/office/drawing/2010/main" xmlns="">
                 <a:solidFill>
                   <a:srgbClr val="FFFFFF"/>
                 </a:solidFill>
               </a14:hiddenFill>
             </a:ext>
             <a:ext uri="{91240B29-F687-4f45-9708-019B960494DF}">
-              <a14:hiddenLine xmlns="" xmlns:a14="http://schemas.microsoft.com/office/drawing/2010/main" w="9525">
+              <a14:hiddenLine xmlns:a14="http://schemas.microsoft.com/office/drawing/2010/main" xmlns="" w="9525">
                 <a:solidFill>
                   <a:srgbClr val="000000"/>
                 </a:solidFill>
@@ -13862,14 +13862,14 @@
           </a:ln>
           <a:extLst>
             <a:ext uri="{909E8E84-426E-40dd-AFC4-6F175D3DCCD1}">
-              <a14:hiddenFill xmlns="" xmlns:a14="http://schemas.microsoft.com/office/drawing/2010/main">
+              <a14:hiddenFill xmlns:a14="http://schemas.microsoft.com/office/drawing/2010/main" xmlns="">
                 <a:solidFill>
                   <a:srgbClr val="FFFFFF"/>
                 </a:solidFill>
               </a14:hiddenFill>
             </a:ext>
             <a:ext uri="{91240B29-F687-4f45-9708-019B960494DF}">
-              <a14:hiddenLine xmlns="" xmlns:a14="http://schemas.microsoft.com/office/drawing/2010/main" w="9525">
+              <a14:hiddenLine xmlns:a14="http://schemas.microsoft.com/office/drawing/2010/main" xmlns="" w="9525">
                 <a:solidFill>
                   <a:srgbClr val="000000"/>
                 </a:solidFill>
@@ -14436,14 +14436,14 @@
           </a:ln>
           <a:extLst>
             <a:ext uri="{909E8E84-426E-40dd-AFC4-6F175D3DCCD1}">
-              <a14:hiddenFill xmlns="" xmlns:a14="http://schemas.microsoft.com/office/drawing/2010/main">
+              <a14:hiddenFill xmlns:a14="http://schemas.microsoft.com/office/drawing/2010/main" xmlns="">
                 <a:solidFill>
                   <a:srgbClr val="FFFFFF"/>
                 </a:solidFill>
               </a14:hiddenFill>
             </a:ext>
             <a:ext uri="{91240B29-F687-4f45-9708-019B960494DF}">
-              <a14:hiddenLine xmlns="" xmlns:a14="http://schemas.microsoft.com/office/drawing/2010/main" w="9525">
+              <a14:hiddenLine xmlns:a14="http://schemas.microsoft.com/office/drawing/2010/main" xmlns="" w="9525">
                 <a:solidFill>
                   <a:srgbClr val="000000"/>
                 </a:solidFill>
@@ -15383,14 +15383,14 @@
           </a:ln>
           <a:extLst>
             <a:ext uri="{909E8E84-426E-40dd-AFC4-6F175D3DCCD1}">
-              <a14:hiddenFill xmlns="" xmlns:a14="http://schemas.microsoft.com/office/drawing/2010/main">
+              <a14:hiddenFill xmlns:a14="http://schemas.microsoft.com/office/drawing/2010/main" xmlns="">
                 <a:solidFill>
                   <a:srgbClr val="FFFFFF"/>
                 </a:solidFill>
               </a14:hiddenFill>
             </a:ext>
             <a:ext uri="{91240B29-F687-4f45-9708-019B960494DF}">
-              <a14:hiddenLine xmlns="" xmlns:a14="http://schemas.microsoft.com/office/drawing/2010/main" w="9525">
+              <a14:hiddenLine xmlns:a14="http://schemas.microsoft.com/office/drawing/2010/main" xmlns="" w="9525">
                 <a:solidFill>
                   <a:srgbClr val="000000"/>
                 </a:solidFill>
@@ -16145,14 +16145,14 @@
           </a:ln>
           <a:extLst>
             <a:ext uri="{909E8E84-426E-40dd-AFC4-6F175D3DCCD1}">
-              <a14:hiddenFill xmlns="" xmlns:a14="http://schemas.microsoft.com/office/drawing/2010/main">
+              <a14:hiddenFill xmlns:a14="http://schemas.microsoft.com/office/drawing/2010/main" xmlns="">
                 <a:solidFill>
                   <a:srgbClr val="FFFFFF"/>
                 </a:solidFill>
               </a14:hiddenFill>
             </a:ext>
             <a:ext uri="{91240B29-F687-4f45-9708-019B960494DF}">
-              <a14:hiddenLine xmlns="" xmlns:a14="http://schemas.microsoft.com/office/drawing/2010/main" w="9525">
+              <a14:hiddenLine xmlns:a14="http://schemas.microsoft.com/office/drawing/2010/main" xmlns="" w="9525">
                 <a:solidFill>
                   <a:srgbClr val="000000"/>
                 </a:solidFill>
@@ -20343,15 +20343,49 @@
 </file>
 
 <file path=customXml/item2.xml><?xml version="1.0" encoding="utf-8"?>
-<p:properties xmlns:p="http://schemas.microsoft.com/office/2006/metadata/properties" xmlns:xsi="http://www.w3.org/2001/XMLSchema-instance" xmlns:pc="http://schemas.microsoft.com/office/infopath/2007/PartnerControls">
-  <documentManagement>
-    <_dlc_DocId xmlns="7bb5d761-a2ea-4873-95f7-7a6658fb3ef0">M4CWTKMW727E-592-73</_dlc_DocId>
-    <_dlc_DocIdUrl xmlns="7bb5d761-a2ea-4873-95f7-7a6658fb3ef0">
-      <Url>https://kms.vci.local/marketing/team/_layouts/DocIdRedir.aspx?ID=M4CWTKMW727E-592-73</Url>
-      <Description>M4CWTKMW727E-592-73</Description>
-    </_dlc_DocIdUrl>
-  </documentManagement>
-</p:properties>
+<?mso-contentType ?>
+<spe:Receivers xmlns:spe="http://schemas.microsoft.com/sharepoint/events">
+  <Receiver>
+    <Name>Document ID Generator</Name>
+    <Synchronization>Synchronous</Synchronization>
+    <Type>10001</Type>
+    <SequenceNumber>1000</SequenceNumber>
+    <Assembly>Microsoft.Office.DocumentManagement, Version=14.0.0.0, Culture=neutral, PublicKeyToken=71e9bce111e9429c</Assembly>
+    <Class>Microsoft.Office.DocumentManagement.Internal.DocIdHandler</Class>
+    <Data/>
+    <Filter/>
+  </Receiver>
+  <Receiver>
+    <Name>Document ID Generator</Name>
+    <Synchronization>Synchronous</Synchronization>
+    <Type>10002</Type>
+    <SequenceNumber>1001</SequenceNumber>
+    <Assembly>Microsoft.Office.DocumentManagement, Version=14.0.0.0, Culture=neutral, PublicKeyToken=71e9bce111e9429c</Assembly>
+    <Class>Microsoft.Office.DocumentManagement.Internal.DocIdHandler</Class>
+    <Data/>
+    <Filter/>
+  </Receiver>
+  <Receiver>
+    <Name>Document ID Generator</Name>
+    <Synchronization>Synchronous</Synchronization>
+    <Type>10004</Type>
+    <SequenceNumber>1002</SequenceNumber>
+    <Assembly>Microsoft.Office.DocumentManagement, Version=14.0.0.0, Culture=neutral, PublicKeyToken=71e9bce111e9429c</Assembly>
+    <Class>Microsoft.Office.DocumentManagement.Internal.DocIdHandler</Class>
+    <Data/>
+    <Filter/>
+  </Receiver>
+  <Receiver>
+    <Name>Document ID Generator</Name>
+    <Synchronization>Synchronous</Synchronization>
+    <Type>10006</Type>
+    <SequenceNumber>1003</SequenceNumber>
+    <Assembly>Microsoft.Office.DocumentManagement, Version=14.0.0.0, Culture=neutral, PublicKeyToken=71e9bce111e9429c</Assembly>
+    <Class>Microsoft.Office.DocumentManagement.Internal.DocIdHandler</Class>
+    <Data/>
+    <Filter/>
+  </Receiver>
+</spe:Receivers>
 </file>
 
 <file path=customXml/item3.xml><?xml version="1.0" encoding="utf-8"?>
@@ -20500,49 +20534,15 @@
 </file>
 
 <file path=customXml/item4.xml><?xml version="1.0" encoding="utf-8"?>
-<?mso-contentType ?>
-<spe:Receivers xmlns:spe="http://schemas.microsoft.com/sharepoint/events">
-  <Receiver>
-    <Name>Document ID Generator</Name>
-    <Synchronization>Synchronous</Synchronization>
-    <Type>10001</Type>
-    <SequenceNumber>1000</SequenceNumber>
-    <Assembly>Microsoft.Office.DocumentManagement, Version=14.0.0.0, Culture=neutral, PublicKeyToken=71e9bce111e9429c</Assembly>
-    <Class>Microsoft.Office.DocumentManagement.Internal.DocIdHandler</Class>
-    <Data/>
-    <Filter/>
-  </Receiver>
-  <Receiver>
-    <Name>Document ID Generator</Name>
-    <Synchronization>Synchronous</Synchronization>
-    <Type>10002</Type>
-    <SequenceNumber>1001</SequenceNumber>
-    <Assembly>Microsoft.Office.DocumentManagement, Version=14.0.0.0, Culture=neutral, PublicKeyToken=71e9bce111e9429c</Assembly>
-    <Class>Microsoft.Office.DocumentManagement.Internal.DocIdHandler</Class>
-    <Data/>
-    <Filter/>
-  </Receiver>
-  <Receiver>
-    <Name>Document ID Generator</Name>
-    <Synchronization>Synchronous</Synchronization>
-    <Type>10004</Type>
-    <SequenceNumber>1002</SequenceNumber>
-    <Assembly>Microsoft.Office.DocumentManagement, Version=14.0.0.0, Culture=neutral, PublicKeyToken=71e9bce111e9429c</Assembly>
-    <Class>Microsoft.Office.DocumentManagement.Internal.DocIdHandler</Class>
-    <Data/>
-    <Filter/>
-  </Receiver>
-  <Receiver>
-    <Name>Document ID Generator</Name>
-    <Synchronization>Synchronous</Synchronization>
-    <Type>10006</Type>
-    <SequenceNumber>1003</SequenceNumber>
-    <Assembly>Microsoft.Office.DocumentManagement, Version=14.0.0.0, Culture=neutral, PublicKeyToken=71e9bce111e9429c</Assembly>
-    <Class>Microsoft.Office.DocumentManagement.Internal.DocIdHandler</Class>
-    <Data/>
-    <Filter/>
-  </Receiver>
-</spe:Receivers>
+<p:properties xmlns:p="http://schemas.microsoft.com/office/2006/metadata/properties" xmlns:xsi="http://www.w3.org/2001/XMLSchema-instance" xmlns:pc="http://schemas.microsoft.com/office/infopath/2007/PartnerControls">
+  <documentManagement>
+    <_dlc_DocId xmlns="7bb5d761-a2ea-4873-95f7-7a6658fb3ef0">M4CWTKMW727E-592-73</_dlc_DocId>
+    <_dlc_DocIdUrl xmlns="7bb5d761-a2ea-4873-95f7-7a6658fb3ef0">
+      <Url>https://kms.vci.local/marketing/team/_layouts/DocIdRedir.aspx?ID=M4CWTKMW727E-592-73</Url>
+      <Description>M4CWTKMW727E-592-73</Description>
+    </_dlc_DocIdUrl>
+  </documentManagement>
+</p:properties>
 </file>
 
 <file path=customXml/itemProps1.xml><?xml version="1.0" encoding="utf-8"?>
@@ -20554,17 +20554,9 @@
 </file>
 
 <file path=customXml/itemProps2.xml><?xml version="1.0" encoding="utf-8"?>
-<ds:datastoreItem xmlns:ds="http://schemas.openxmlformats.org/officeDocument/2006/customXml" ds:itemID="{6921749B-AEB7-461B-845F-603CABD25259}">
+<ds:datastoreItem xmlns:ds="http://schemas.openxmlformats.org/officeDocument/2006/customXml" ds:itemID="{B13EBC30-FE27-4C6A-B723-23FC2188F7DC}">
   <ds:schemaRefs>
-    <ds:schemaRef ds:uri="7bb5d761-a2ea-4873-95f7-7a6658fb3ef0"/>
-    <ds:schemaRef ds:uri="http://purl.org/dc/dcmitype/"/>
-    <ds:schemaRef ds:uri="http://purl.org/dc/elements/1.1/"/>
-    <ds:schemaRef ds:uri="http://schemas.microsoft.com/office/infopath/2007/PartnerControls"/>
-    <ds:schemaRef ds:uri="http://schemas.microsoft.com/office/2006/metadata/properties"/>
-    <ds:schemaRef ds:uri="http://schemas.microsoft.com/office/2006/documentManagement/types"/>
-    <ds:schemaRef ds:uri="http://schemas.openxmlformats.org/package/2006/metadata/core-properties"/>
-    <ds:schemaRef ds:uri="http://www.w3.org/XML/1998/namespace"/>
-    <ds:schemaRef ds:uri="http://purl.org/dc/terms/"/>
+    <ds:schemaRef ds:uri="http://schemas.microsoft.com/sharepoint/events"/>
   </ds:schemaRefs>
 </ds:datastoreItem>
 </file>
@@ -20588,9 +20580,17 @@
 </file>
 
 <file path=customXml/itemProps4.xml><?xml version="1.0" encoding="utf-8"?>
-<ds:datastoreItem xmlns:ds="http://schemas.openxmlformats.org/officeDocument/2006/customXml" ds:itemID="{B13EBC30-FE27-4C6A-B723-23FC2188F7DC}">
+<ds:datastoreItem xmlns:ds="http://schemas.openxmlformats.org/officeDocument/2006/customXml" ds:itemID="{6921749B-AEB7-461B-845F-603CABD25259}">
   <ds:schemaRefs>
-    <ds:schemaRef ds:uri="http://schemas.microsoft.com/sharepoint/events"/>
+    <ds:schemaRef ds:uri="7bb5d761-a2ea-4873-95f7-7a6658fb3ef0"/>
+    <ds:schemaRef ds:uri="http://purl.org/dc/dcmitype/"/>
+    <ds:schemaRef ds:uri="http://purl.org/dc/elements/1.1/"/>
+    <ds:schemaRef ds:uri="http://schemas.microsoft.com/office/infopath/2007/PartnerControls"/>
+    <ds:schemaRef ds:uri="http://schemas.microsoft.com/office/2006/metadata/properties"/>
+    <ds:schemaRef ds:uri="http://schemas.microsoft.com/office/2006/documentManagement/types"/>
+    <ds:schemaRef ds:uri="http://schemas.openxmlformats.org/package/2006/metadata/core-properties"/>
+    <ds:schemaRef ds:uri="http://www.w3.org/XML/1998/namespace"/>
+    <ds:schemaRef ds:uri="http://purl.org/dc/terms/"/>
   </ds:schemaRefs>
 </ds:datastoreItem>
 </file>